--- a/Presentations/Presentation5.pptx
+++ b/Presentations/Presentation5.pptx
@@ -3943,7 +3943,7 @@
         </p:blipFill>
         <p:spPr>
           <a:xfrm>
-            <a:off x="1245624" y="-1018511"/>
+            <a:off x="1245624" y="-813237"/>
             <a:ext cx="9700752" cy="6858000"/>
           </a:xfrm>
           <a:prstGeom prst="rect">
@@ -5704,7 +5704,7 @@
         </p:nvSpPr>
         <p:spPr>
           <a:xfrm>
-            <a:off x="581193" y="2429554"/>
+            <a:off x="581193" y="2755931"/>
             <a:ext cx="10515600" cy="4800600"/>
           </a:xfrm>
         </p:spPr>
